--- a/Embedded Programming og IoT/Arduino/Iot Klima Sensor.pptx
+++ b/Embedded Programming og IoT/Arduino/Iot Klima Sensor.pptx
@@ -13085,6 +13085,30 @@
 <file path=ppt/slides/slide1.xml><?xml version="1.0" encoding="utf-8"?>
 <p:sld xmlns:a="http://schemas.openxmlformats.org/drawingml/2006/main" xmlns:r="http://schemas.openxmlformats.org/officeDocument/2006/relationships" xmlns:p="http://schemas.openxmlformats.org/presentationml/2006/main">
   <p:cSld>
+    <p:bg>
+      <p:bgPr>
+        <a:blipFill>
+          <a:blip r:embed="rId2">
+            <a:duotone>
+              <a:schemeClr val="bg2">
+                <a:shade val="88000"/>
+                <a:hueMod val="106000"/>
+                <a:satMod val="140000"/>
+                <a:lumMod val="54000"/>
+              </a:schemeClr>
+              <a:schemeClr val="bg2">
+                <a:tint val="98000"/>
+                <a:hueMod val="90000"/>
+                <a:satMod val="150000"/>
+                <a:lumMod val="160000"/>
+              </a:schemeClr>
+            </a:duotone>
+          </a:blip>
+          <a:stretch/>
+        </a:blipFill>
+        <a:effectLst/>
+      </p:bgPr>
+    </p:bg>
     <p:spTree>
       <p:nvGrpSpPr>
         <p:cNvPr id="1" name=""/>
@@ -13099,6 +13123,160 @@
           <a:chExt cx="0" cy="0"/>
         </a:xfrm>
       </p:grpSpPr>
+      <p:grpSp>
+        <p:nvGrpSpPr>
+          <p:cNvPr id="9" name="Group 8">
+            <a:extLst>
+              <a:ext uri="{FF2B5EF4-FFF2-40B4-BE49-F238E27FC236}">
+                <a16:creationId xmlns:a16="http://schemas.microsoft.com/office/drawing/2014/main" id="{068ACACB-DD9E-4155-84BF-8E4D43DEC13D}"/>
+              </a:ext>
+              <a:ext uri="{C183D7F6-B498-43B3-948B-1728B52AA6E4}">
+                <adec:decorative xmlns:adec="http://schemas.microsoft.com/office/drawing/2017/decorative" val="1"/>
+              </a:ext>
+            </a:extLst>
+          </p:cNvPr>
+          <p:cNvGrpSpPr>
+            <a:grpSpLocks noGrp="1" noUngrp="1" noRot="1" noChangeAspect="1" noMove="1" noResize="1"/>
+          </p:cNvGrpSpPr>
+          <p:nvPr>
+            <p:extLst>
+              <p:ext uri="{386F3935-93C4-4BCD-93E2-E3B085C9AB24}">
+                <p16:designElem xmlns:p16="http://schemas.microsoft.com/office/powerpoint/2015/main" val="1"/>
+              </p:ext>
+            </p:extLst>
+          </p:nvPr>
+        </p:nvGrpSpPr>
+        <p:grpSpPr>
+          <a:xfrm>
+            <a:off x="0" y="-1"/>
+            <a:ext cx="12192003" cy="6858001"/>
+            <a:chOff x="0" y="-1"/>
+            <a:chExt cx="12192003" cy="6858001"/>
+          </a:xfrm>
+        </p:grpSpPr>
+        <p:sp useBgFill="1">
+          <p:nvSpPr>
+            <p:cNvPr id="10" name="Rectangle 9">
+              <a:extLst>
+                <a:ext uri="{FF2B5EF4-FFF2-40B4-BE49-F238E27FC236}">
+                  <a16:creationId xmlns:a16="http://schemas.microsoft.com/office/drawing/2014/main" id="{8A7B0AF6-6256-4262-A76E-47B08EAB9270}"/>
+                </a:ext>
+                <a:ext uri="{C183D7F6-B498-43B3-948B-1728B52AA6E4}">
+                  <adec:decorative xmlns:adec="http://schemas.microsoft.com/office/drawing/2017/decorative" val="1"/>
+                </a:ext>
+              </a:extLst>
+            </p:cNvPr>
+            <p:cNvSpPr/>
+            <p:nvPr>
+              <p:extLst>
+                <p:ext uri="{386F3935-93C4-4BCD-93E2-E3B085C9AB24}">
+                  <p16:designElem xmlns:p16="http://schemas.microsoft.com/office/powerpoint/2015/main" val="1"/>
+                </p:ext>
+              </p:extLst>
+            </p:nvPr>
+          </p:nvSpPr>
+          <p:spPr>
+            <a:xfrm>
+              <a:off x="1" y="-1"/>
+              <a:ext cx="12192000" cy="6858000"/>
+            </a:xfrm>
+            <a:prstGeom prst="rect">
+              <a:avLst/>
+            </a:prstGeom>
+            <a:ln>
+              <a:noFill/>
+            </a:ln>
+          </p:spPr>
+          <p:style>
+            <a:lnRef idx="2">
+              <a:schemeClr val="accent1">
+                <a:shade val="50000"/>
+              </a:schemeClr>
+            </a:lnRef>
+            <a:fillRef idx="1">
+              <a:schemeClr val="accent1"/>
+            </a:fillRef>
+            <a:effectRef idx="0">
+              <a:schemeClr val="accent1"/>
+            </a:effectRef>
+            <a:fontRef idx="minor">
+              <a:schemeClr val="lt1"/>
+            </a:fontRef>
+          </p:style>
+          <p:txBody>
+            <a:bodyPr rtlCol="0" anchor="ctr"/>
+            <a:lstStyle/>
+            <a:p>
+              <a:pPr algn="ctr"/>
+              <a:endParaRPr lang="en-US"/>
+            </a:p>
+          </p:txBody>
+        </p:sp>
+        <p:pic>
+          <p:nvPicPr>
+            <p:cNvPr id="11" name="Picture 2">
+              <a:extLst>
+                <a:ext uri="{FF2B5EF4-FFF2-40B4-BE49-F238E27FC236}">
+                  <a16:creationId xmlns:a16="http://schemas.microsoft.com/office/drawing/2014/main" id="{8034A3B1-2FBE-4771-84C6-797415E99D22}"/>
+                </a:ext>
+                <a:ext uri="{C183D7F6-B498-43B3-948B-1728B52AA6E4}">
+                  <adec:decorative xmlns:adec="http://schemas.microsoft.com/office/drawing/2017/decorative" val="1"/>
+                </a:ext>
+              </a:extLst>
+            </p:cNvPr>
+            <p:cNvPicPr>
+              <a:picLocks noChangeAspect="1" noChangeArrowheads="1"/>
+            </p:cNvPicPr>
+            <p:nvPr>
+              <p:extLst>
+                <p:ext uri="{386F3935-93C4-4BCD-93E2-E3B085C9AB24}">
+                  <p16:designElem xmlns:p16="http://schemas.microsoft.com/office/powerpoint/2015/main" val="1"/>
+                </p:ext>
+              </p:extLst>
+            </p:nvPr>
+          </p:nvPicPr>
+          <p:blipFill>
+            <a:blip r:embed="rId3">
+              <a:alphaModFix amt="30000"/>
+              <a:duotone>
+                <a:prstClr val="black"/>
+                <a:schemeClr val="tx2">
+                  <a:tint val="45000"/>
+                  <a:satMod val="400000"/>
+                </a:schemeClr>
+              </a:duotone>
+              <a:extLst>
+                <a:ext uri="{28A0092B-C50C-407E-A947-70E740481C1C}">
+                  <a14:useLocalDpi xmlns:a14="http://schemas.microsoft.com/office/drawing/2010/main" val="0"/>
+                </a:ext>
+              </a:extLst>
+            </a:blip>
+            <a:srcRect/>
+            <a:stretch>
+              <a:fillRect/>
+            </a:stretch>
+          </p:blipFill>
+          <p:spPr bwMode="auto">
+            <a:xfrm>
+              <a:off x="0" y="-1"/>
+              <a:ext cx="12192003" cy="6858001"/>
+            </a:xfrm>
+            <a:prstGeom prst="rect">
+              <a:avLst/>
+            </a:prstGeom>
+            <a:noFill/>
+            <a:extLst>
+              <a:ext uri="{909E8E84-426E-40dd-AFC4-6F175D3DCCD1}">
+                <a14:hiddenFill xmlns="" xmlns:a16="http://schemas.microsoft.com/office/drawing/2014/main" xmlns:a14="http://schemas.microsoft.com/office/drawing/2010/main" xmlns:p14="http://schemas.microsoft.com/office/powerpoint/2010/main">
+                  <a:solidFill>
+                    <a:srgbClr val="FFFFFF"/>
+                  </a:solidFill>
+                </a14:hiddenFill>
+              </a:ext>
+            </a:extLst>
+          </p:spPr>
+        </p:pic>
+      </p:grpSp>
       <p:pic>
         <p:nvPicPr>
           <p:cNvPr id="4" name="Picture 3">
@@ -13114,22 +13292,2139 @@
           <p:nvPr/>
         </p:nvPicPr>
         <p:blipFill>
-          <a:blip r:embed="rId2"/>
-          <a:srcRect t="25814" b="3874"/>
+          <a:blip r:embed="rId4">
+            <a:duotone>
+              <a:prstClr val="black"/>
+              <a:schemeClr val="accent5">
+                <a:tint val="45000"/>
+                <a:satMod val="400000"/>
+              </a:schemeClr>
+            </a:duotone>
+            <a:alphaModFix/>
+          </a:blip>
+          <a:srcRect t="29667"/>
           <a:stretch>
             <a:fillRect/>
           </a:stretch>
         </p:blipFill>
         <p:spPr>
           <a:xfrm>
-            <a:off x="20" y="10"/>
-            <a:ext cx="12191979" cy="6857990"/>
+            <a:off x="3611" y="10"/>
+            <a:ext cx="12188389" cy="6857990"/>
           </a:xfrm>
           <a:prstGeom prst="rect">
             <a:avLst/>
           </a:prstGeom>
         </p:spPr>
       </p:pic>
+      <p:grpSp>
+        <p:nvGrpSpPr>
+          <p:cNvPr id="13" name="Group 12">
+            <a:extLst>
+              <a:ext uri="{FF2B5EF4-FFF2-40B4-BE49-F238E27FC236}">
+                <a16:creationId xmlns:a16="http://schemas.microsoft.com/office/drawing/2014/main" id="{BF3AEE19-128A-4FF8-954B-A9724F42E0D4}"/>
+              </a:ext>
+              <a:ext uri="{C183D7F6-B498-43B3-948B-1728B52AA6E4}">
+                <adec:decorative xmlns:adec="http://schemas.microsoft.com/office/drawing/2017/decorative" val="1"/>
+              </a:ext>
+            </a:extLst>
+          </p:cNvPr>
+          <p:cNvGrpSpPr>
+            <a:grpSpLocks noGrp="1" noUngrp="1" noRot="1" noChangeAspect="1" noMove="1" noResize="1"/>
+          </p:cNvGrpSpPr>
+          <p:nvPr>
+            <p:extLst>
+              <p:ext uri="{386F3935-93C4-4BCD-93E2-E3B085C9AB24}">
+                <p16:designElem xmlns:p16="http://schemas.microsoft.com/office/powerpoint/2015/main" val="1"/>
+              </p:ext>
+            </p:extLst>
+          </p:nvPr>
+        </p:nvGrpSpPr>
+        <p:grpSpPr>
+          <a:xfrm>
+            <a:off x="605895" y="2235200"/>
+            <a:ext cx="10982062" cy="2396067"/>
+            <a:chOff x="605895" y="2235200"/>
+            <a:chExt cx="10982062" cy="2396067"/>
+          </a:xfrm>
+        </p:grpSpPr>
+        <p:sp>
+          <p:nvSpPr>
+            <p:cNvPr id="14" name="Round Diagonal Corner Rectangle 7">
+              <a:extLst>
+                <a:ext uri="{FF2B5EF4-FFF2-40B4-BE49-F238E27FC236}">
+                  <a16:creationId xmlns:a16="http://schemas.microsoft.com/office/drawing/2014/main" id="{80F57FCB-2163-4EF8-B6A7-023F6B877F22}"/>
+                </a:ext>
+                <a:ext uri="{C183D7F6-B498-43B3-948B-1728B52AA6E4}">
+                  <adec:decorative xmlns:adec="http://schemas.microsoft.com/office/drawing/2017/decorative" val="1"/>
+                </a:ext>
+              </a:extLst>
+            </p:cNvPr>
+            <p:cNvSpPr/>
+            <p:nvPr>
+              <p:extLst>
+                <p:ext uri="{386F3935-93C4-4BCD-93E2-E3B085C9AB24}">
+                  <p16:designElem xmlns:p16="http://schemas.microsoft.com/office/powerpoint/2015/main" val="1"/>
+                </p:ext>
+              </p:extLst>
+            </p:nvPr>
+          </p:nvSpPr>
+          <p:spPr>
+            <a:xfrm>
+              <a:off x="2582333" y="2235200"/>
+              <a:ext cx="7027334" cy="2396067"/>
+            </a:xfrm>
+            <a:prstGeom prst="round2DiagRect">
+              <a:avLst>
+                <a:gd name="adj1" fmla="val 9246"/>
+                <a:gd name="adj2" fmla="val 0"/>
+              </a:avLst>
+            </a:prstGeom>
+            <a:solidFill>
+              <a:schemeClr val="bg1">
+                <a:alpha val="80000"/>
+              </a:schemeClr>
+            </a:solidFill>
+            <a:ln w="19050" cap="sq">
+              <a:solidFill>
+                <a:schemeClr val="tx2">
+                  <a:alpha val="60000"/>
+                </a:schemeClr>
+              </a:solidFill>
+              <a:miter lim="800000"/>
+            </a:ln>
+            <a:effectLst>
+              <a:outerShdw blurRad="88900" dist="38100" dir="5400000" algn="t" rotWithShape="0">
+                <a:prstClr val="black">
+                  <a:alpha val="40000"/>
+                </a:prstClr>
+              </a:outerShdw>
+            </a:effectLst>
+          </p:spPr>
+          <p:style>
+            <a:lnRef idx="1">
+              <a:schemeClr val="accent1"/>
+            </a:lnRef>
+            <a:fillRef idx="3">
+              <a:schemeClr val="accent1"/>
+            </a:fillRef>
+            <a:effectRef idx="2">
+              <a:schemeClr val="accent1"/>
+            </a:effectRef>
+            <a:fontRef idx="minor">
+              <a:schemeClr val="lt1"/>
+            </a:fontRef>
+          </p:style>
+          <p:txBody>
+            <a:bodyPr rtlCol="0" anchor="ctr"/>
+            <a:lstStyle/>
+            <a:p>
+              <a:pPr algn="ctr"/>
+              <a:endParaRPr lang="en-US"/>
+            </a:p>
+          </p:txBody>
+        </p:sp>
+        <p:grpSp>
+          <p:nvGrpSpPr>
+            <p:cNvPr id="15" name="Group 14">
+              <a:extLst>
+                <a:ext uri="{FF2B5EF4-FFF2-40B4-BE49-F238E27FC236}">
+                  <a16:creationId xmlns:a16="http://schemas.microsoft.com/office/drawing/2014/main" id="{77AB9C7F-4D09-4E13-BD9A-E5C14E37AFDE}"/>
+                </a:ext>
+                <a:ext uri="{C183D7F6-B498-43B3-948B-1728B52AA6E4}">
+                  <adec:decorative xmlns:adec="http://schemas.microsoft.com/office/drawing/2017/decorative" val="1"/>
+                </a:ext>
+              </a:extLst>
+            </p:cNvPr>
+            <p:cNvGrpSpPr/>
+            <p:nvPr>
+              <p:extLst>
+                <p:ext uri="{386F3935-93C4-4BCD-93E2-E3B085C9AB24}">
+                  <p16:designElem xmlns:p16="http://schemas.microsoft.com/office/powerpoint/2015/main" val="1"/>
+                </p:ext>
+              </p:extLst>
+            </p:nvPr>
+          </p:nvGrpSpPr>
+          <p:grpSpPr>
+            <a:xfrm>
+              <a:off x="605895" y="2900097"/>
+              <a:ext cx="10982062" cy="1211524"/>
+              <a:chOff x="605895" y="2900097"/>
+              <a:chExt cx="10982062" cy="1211524"/>
+            </a:xfrm>
+          </p:grpSpPr>
+          <p:sp>
+            <p:nvSpPr>
+              <p:cNvPr id="16" name="Freeform 32">
+                <a:extLst>
+                  <a:ext uri="{FF2B5EF4-FFF2-40B4-BE49-F238E27FC236}">
+                    <a16:creationId xmlns:a16="http://schemas.microsoft.com/office/drawing/2014/main" id="{043B40A6-216C-4409-942A-16B414197332}"/>
+                  </a:ext>
+                  <a:ext uri="{C183D7F6-B498-43B3-948B-1728B52AA6E4}">
+                    <adec:decorative xmlns:adec="http://schemas.microsoft.com/office/drawing/2017/decorative" val="1"/>
+                  </a:ext>
+                </a:extLst>
+              </p:cNvPr>
+              <p:cNvSpPr/>
+              <p:nvPr>
+                <p:extLst>
+                  <p:ext uri="{386F3935-93C4-4BCD-93E2-E3B085C9AB24}">
+                    <p16:designElem xmlns:p16="http://schemas.microsoft.com/office/powerpoint/2015/main" val="1"/>
+                  </p:ext>
+                </p:extLst>
+              </p:nvPr>
+            </p:nvSpPr>
+            <p:spPr bwMode="auto">
+              <a:xfrm rot="5400000" flipV="1">
+                <a:off x="9653587" y="3379784"/>
+                <a:ext cx="417513" cy="512763"/>
+              </a:xfrm>
+              <a:custGeom>
+                <a:avLst/>
+                <a:gdLst/>
+                <a:ahLst/>
+                <a:cxnLst/>
+                <a:rect l="0" t="0" r="r" b="b"/>
+                <a:pathLst>
+                  <a:path w="263" h="323">
+                    <a:moveTo>
+                      <a:pt x="12" y="323"/>
+                    </a:moveTo>
+                    <a:lnTo>
+                      <a:pt x="0" y="314"/>
+                    </a:lnTo>
+                    <a:lnTo>
+                      <a:pt x="203" y="108"/>
+                    </a:lnTo>
+                    <a:lnTo>
+                      <a:pt x="248" y="0"/>
+                    </a:lnTo>
+                    <a:lnTo>
+                      <a:pt x="263" y="6"/>
+                    </a:lnTo>
+                    <a:lnTo>
+                      <a:pt x="218" y="117"/>
+                    </a:lnTo>
+                    <a:lnTo>
+                      <a:pt x="218" y="117"/>
+                    </a:lnTo>
+                    <a:lnTo>
+                      <a:pt x="12" y="323"/>
+                    </a:lnTo>
+                    <a:close/>
+                  </a:path>
+                </a:pathLst>
+              </a:custGeom>
+              <a:solidFill>
+                <a:schemeClr val="tx2">
+                  <a:alpha val="60000"/>
+                </a:schemeClr>
+              </a:solidFill>
+              <a:ln>
+                <a:noFill/>
+              </a:ln>
+              <a:effectLst>
+                <a:outerShdw blurRad="50800" dist="38100" dir="2700000" algn="tl" rotWithShape="0">
+                  <a:srgbClr val="000000">
+                    <a:alpha val="58000"/>
+                  </a:srgbClr>
+                </a:outerShdw>
+              </a:effectLst>
+            </p:spPr>
+            <p:txBody>
+              <a:bodyPr/>
+              <a:lstStyle/>
+              <a:p>
+                <a:endParaRPr lang="da-DK"/>
+              </a:p>
+            </p:txBody>
+          </p:sp>
+          <p:sp>
+            <p:nvSpPr>
+              <p:cNvPr id="17" name="Freeform 33">
+                <a:extLst>
+                  <a:ext uri="{FF2B5EF4-FFF2-40B4-BE49-F238E27FC236}">
+                    <a16:creationId xmlns:a16="http://schemas.microsoft.com/office/drawing/2014/main" id="{6F5ED6F5-BEC7-4798-943B-12105A517811}"/>
+                  </a:ext>
+                  <a:ext uri="{C183D7F6-B498-43B3-948B-1728B52AA6E4}">
+                    <adec:decorative xmlns:adec="http://schemas.microsoft.com/office/drawing/2017/decorative" val="1"/>
+                  </a:ext>
+                </a:extLst>
+              </p:cNvPr>
+              <p:cNvSpPr>
+                <a:spLocks noEditPoints="1"/>
+              </p:cNvSpPr>
+              <p:nvPr>
+                <p:extLst>
+                  <p:ext uri="{386F3935-93C4-4BCD-93E2-E3B085C9AB24}">
+                    <p16:designElem xmlns:p16="http://schemas.microsoft.com/office/powerpoint/2015/main" val="1"/>
+                  </p:ext>
+                </p:extLst>
+              </p:nvPr>
+            </p:nvSpPr>
+            <p:spPr bwMode="auto">
+              <a:xfrm rot="5400000" flipV="1">
+                <a:off x="10078244" y="3310728"/>
+                <a:ext cx="157163" cy="152400"/>
+              </a:xfrm>
+              <a:custGeom>
+                <a:avLst/>
+                <a:gdLst/>
+                <a:ahLst/>
+                <a:cxnLst/>
+                <a:rect l="0" t="0" r="r" b="b"/>
+                <a:pathLst>
+                  <a:path w="33" h="32">
+                    <a:moveTo>
+                      <a:pt x="17" y="32"/>
+                    </a:moveTo>
+                    <a:cubicBezTo>
+                      <a:pt x="13" y="32"/>
+                      <a:pt x="9" y="30"/>
+                      <a:pt x="6" y="27"/>
+                    </a:cubicBezTo>
+                    <a:cubicBezTo>
+                      <a:pt x="0" y="21"/>
+                      <a:pt x="0" y="11"/>
+                      <a:pt x="6" y="5"/>
+                    </a:cubicBezTo>
+                    <a:cubicBezTo>
+                      <a:pt x="9" y="2"/>
+                      <a:pt x="13" y="0"/>
+                      <a:pt x="17" y="0"/>
+                    </a:cubicBezTo>
+                    <a:cubicBezTo>
+                      <a:pt x="21" y="0"/>
+                      <a:pt x="25" y="2"/>
+                      <a:pt x="28" y="5"/>
+                    </a:cubicBezTo>
+                    <a:cubicBezTo>
+                      <a:pt x="31" y="8"/>
+                      <a:pt x="33" y="12"/>
+                      <a:pt x="33" y="16"/>
+                    </a:cubicBezTo>
+                    <a:cubicBezTo>
+                      <a:pt x="33" y="20"/>
+                      <a:pt x="31" y="24"/>
+                      <a:pt x="28" y="27"/>
+                    </a:cubicBezTo>
+                    <a:cubicBezTo>
+                      <a:pt x="25" y="30"/>
+                      <a:pt x="21" y="32"/>
+                      <a:pt x="17" y="32"/>
+                    </a:cubicBezTo>
+                    <a:close/>
+                    <a:moveTo>
+                      <a:pt x="17" y="4"/>
+                    </a:moveTo>
+                    <a:cubicBezTo>
+                      <a:pt x="14" y="4"/>
+                      <a:pt x="11" y="6"/>
+                      <a:pt x="9" y="8"/>
+                    </a:cubicBezTo>
+                    <a:cubicBezTo>
+                      <a:pt x="4" y="12"/>
+                      <a:pt x="4" y="20"/>
+                      <a:pt x="9" y="24"/>
+                    </a:cubicBezTo>
+                    <a:cubicBezTo>
+                      <a:pt x="11" y="27"/>
+                      <a:pt x="14" y="28"/>
+                      <a:pt x="17" y="28"/>
+                    </a:cubicBezTo>
+                    <a:cubicBezTo>
+                      <a:pt x="20" y="28"/>
+                      <a:pt x="23" y="27"/>
+                      <a:pt x="26" y="24"/>
+                    </a:cubicBezTo>
+                    <a:cubicBezTo>
+                      <a:pt x="30" y="20"/>
+                      <a:pt x="30" y="12"/>
+                      <a:pt x="26" y="8"/>
+                    </a:cubicBezTo>
+                    <a:cubicBezTo>
+                      <a:pt x="23" y="6"/>
+                      <a:pt x="20" y="4"/>
+                      <a:pt x="17" y="4"/>
+                    </a:cubicBezTo>
+                    <a:close/>
+                  </a:path>
+                </a:pathLst>
+              </a:custGeom>
+              <a:solidFill>
+                <a:schemeClr val="tx2">
+                  <a:alpha val="60000"/>
+                </a:schemeClr>
+              </a:solidFill>
+              <a:ln>
+                <a:noFill/>
+              </a:ln>
+              <a:effectLst>
+                <a:outerShdw blurRad="50800" dist="38100" dir="2700000" algn="tl" rotWithShape="0">
+                  <a:srgbClr val="000000">
+                    <a:alpha val="58000"/>
+                  </a:srgbClr>
+                </a:outerShdw>
+              </a:effectLst>
+            </p:spPr>
+            <p:txBody>
+              <a:bodyPr/>
+              <a:lstStyle/>
+              <a:p>
+                <a:endParaRPr lang="da-DK"/>
+              </a:p>
+            </p:txBody>
+          </p:sp>
+          <p:sp>
+            <p:nvSpPr>
+              <p:cNvPr id="18" name="Freeform 34">
+                <a:extLst>
+                  <a:ext uri="{FF2B5EF4-FFF2-40B4-BE49-F238E27FC236}">
+                    <a16:creationId xmlns:a16="http://schemas.microsoft.com/office/drawing/2014/main" id="{45C6ABB9-CB59-444A-9A14-96A037BC422D}"/>
+                  </a:ext>
+                  <a:ext uri="{C183D7F6-B498-43B3-948B-1728B52AA6E4}">
+                    <adec:decorative xmlns:adec="http://schemas.microsoft.com/office/drawing/2017/decorative" val="1"/>
+                  </a:ext>
+                </a:extLst>
+              </p:cNvPr>
+              <p:cNvSpPr>
+                <a:spLocks noEditPoints="1"/>
+              </p:cNvSpPr>
+              <p:nvPr>
+                <p:extLst>
+                  <p:ext uri="{386F3935-93C4-4BCD-93E2-E3B085C9AB24}">
+                    <p16:designElem xmlns:p16="http://schemas.microsoft.com/office/powerpoint/2015/main" val="1"/>
+                  </p:ext>
+                </p:extLst>
+              </p:nvPr>
+            </p:nvSpPr>
+            <p:spPr bwMode="auto">
+              <a:xfrm rot="5400000" flipV="1">
+                <a:off x="11146631" y="3574253"/>
+                <a:ext cx="188913" cy="190500"/>
+              </a:xfrm>
+              <a:custGeom>
+                <a:avLst/>
+                <a:gdLst/>
+                <a:ahLst/>
+                <a:cxnLst/>
+                <a:rect l="0" t="0" r="r" b="b"/>
+                <a:pathLst>
+                  <a:path w="40" h="40">
+                    <a:moveTo>
+                      <a:pt x="20" y="40"/>
+                    </a:moveTo>
+                    <a:cubicBezTo>
+                      <a:pt x="9" y="40"/>
+                      <a:pt x="0" y="31"/>
+                      <a:pt x="0" y="20"/>
+                    </a:cubicBezTo>
+                    <a:cubicBezTo>
+                      <a:pt x="0" y="9"/>
+                      <a:pt x="9" y="0"/>
+                      <a:pt x="20" y="0"/>
+                    </a:cubicBezTo>
+                    <a:cubicBezTo>
+                      <a:pt x="31" y="0"/>
+                      <a:pt x="40" y="9"/>
+                      <a:pt x="40" y="20"/>
+                    </a:cubicBezTo>
+                    <a:cubicBezTo>
+                      <a:pt x="40" y="31"/>
+                      <a:pt x="31" y="40"/>
+                      <a:pt x="20" y="40"/>
+                    </a:cubicBezTo>
+                    <a:close/>
+                    <a:moveTo>
+                      <a:pt x="20" y="4"/>
+                    </a:moveTo>
+                    <a:cubicBezTo>
+                      <a:pt x="11" y="4"/>
+                      <a:pt x="4" y="11"/>
+                      <a:pt x="4" y="20"/>
+                    </a:cubicBezTo>
+                    <a:cubicBezTo>
+                      <a:pt x="4" y="29"/>
+                      <a:pt x="11" y="36"/>
+                      <a:pt x="20" y="36"/>
+                    </a:cubicBezTo>
+                    <a:cubicBezTo>
+                      <a:pt x="29" y="36"/>
+                      <a:pt x="36" y="29"/>
+                      <a:pt x="36" y="20"/>
+                    </a:cubicBezTo>
+                    <a:cubicBezTo>
+                      <a:pt x="36" y="11"/>
+                      <a:pt x="29" y="4"/>
+                      <a:pt x="20" y="4"/>
+                    </a:cubicBezTo>
+                    <a:close/>
+                  </a:path>
+                </a:pathLst>
+              </a:custGeom>
+              <a:solidFill>
+                <a:schemeClr val="tx2">
+                  <a:alpha val="60000"/>
+                </a:schemeClr>
+              </a:solidFill>
+              <a:ln>
+                <a:noFill/>
+              </a:ln>
+              <a:effectLst>
+                <a:outerShdw blurRad="50800" dist="38100" dir="2700000" algn="tl" rotWithShape="0">
+                  <a:srgbClr val="000000">
+                    <a:alpha val="58000"/>
+                  </a:srgbClr>
+                </a:outerShdw>
+              </a:effectLst>
+            </p:spPr>
+            <p:txBody>
+              <a:bodyPr/>
+              <a:lstStyle/>
+              <a:p>
+                <a:endParaRPr lang="da-DK"/>
+              </a:p>
+            </p:txBody>
+          </p:sp>
+          <p:sp>
+            <p:nvSpPr>
+              <p:cNvPr id="19" name="Freeform 37">
+                <a:extLst>
+                  <a:ext uri="{FF2B5EF4-FFF2-40B4-BE49-F238E27FC236}">
+                    <a16:creationId xmlns:a16="http://schemas.microsoft.com/office/drawing/2014/main" id="{C5F74DA3-506A-4911-BADD-B5DADFA9C5E4}"/>
+                  </a:ext>
+                  <a:ext uri="{C183D7F6-B498-43B3-948B-1728B52AA6E4}">
+                    <adec:decorative xmlns:adec="http://schemas.microsoft.com/office/drawing/2017/decorative" val="1"/>
+                  </a:ext>
+                </a:extLst>
+              </p:cNvPr>
+              <p:cNvSpPr/>
+              <p:nvPr>
+                <p:extLst>
+                  <p:ext uri="{386F3935-93C4-4BCD-93E2-E3B085C9AB24}">
+                    <p16:designElem xmlns:p16="http://schemas.microsoft.com/office/powerpoint/2015/main" val="1"/>
+                  </p:ext>
+                </p:extLst>
+              </p:nvPr>
+            </p:nvSpPr>
+            <p:spPr bwMode="auto">
+              <a:xfrm rot="5400000" flipV="1">
+                <a:off x="10230644" y="3034502"/>
+                <a:ext cx="304800" cy="1544638"/>
+              </a:xfrm>
+              <a:custGeom>
+                <a:avLst/>
+                <a:gdLst/>
+                <a:ahLst/>
+                <a:cxnLst/>
+                <a:rect l="0" t="0" r="r" b="b"/>
+                <a:pathLst>
+                  <a:path w="192" h="973">
+                    <a:moveTo>
+                      <a:pt x="15" y="973"/>
+                    </a:moveTo>
+                    <a:lnTo>
+                      <a:pt x="0" y="973"/>
+                    </a:lnTo>
+                    <a:lnTo>
+                      <a:pt x="0" y="790"/>
+                    </a:lnTo>
+                    <a:lnTo>
+                      <a:pt x="174" y="614"/>
+                    </a:lnTo>
+                    <a:lnTo>
+                      <a:pt x="174" y="0"/>
+                    </a:lnTo>
+                    <a:lnTo>
+                      <a:pt x="192" y="0"/>
+                    </a:lnTo>
+                    <a:lnTo>
+                      <a:pt x="192" y="620"/>
+                    </a:lnTo>
+                    <a:lnTo>
+                      <a:pt x="15" y="796"/>
+                    </a:lnTo>
+                    <a:lnTo>
+                      <a:pt x="15" y="973"/>
+                    </a:lnTo>
+                    <a:close/>
+                  </a:path>
+                </a:pathLst>
+              </a:custGeom>
+              <a:solidFill>
+                <a:schemeClr val="tx2">
+                  <a:alpha val="60000"/>
+                </a:schemeClr>
+              </a:solidFill>
+              <a:ln>
+                <a:noFill/>
+              </a:ln>
+              <a:effectLst>
+                <a:outerShdw blurRad="50800" dist="38100" dir="2700000" algn="tl" rotWithShape="0">
+                  <a:srgbClr val="000000">
+                    <a:alpha val="58000"/>
+                  </a:srgbClr>
+                </a:outerShdw>
+              </a:effectLst>
+            </p:spPr>
+            <p:txBody>
+              <a:bodyPr/>
+              <a:lstStyle/>
+              <a:p>
+                <a:endParaRPr lang="da-DK"/>
+              </a:p>
+            </p:txBody>
+          </p:sp>
+          <p:sp>
+            <p:nvSpPr>
+              <p:cNvPr id="20" name="Freeform 35">
+                <a:extLst>
+                  <a:ext uri="{FF2B5EF4-FFF2-40B4-BE49-F238E27FC236}">
+                    <a16:creationId xmlns:a16="http://schemas.microsoft.com/office/drawing/2014/main" id="{364BA096-7428-4C20-ABC8-CEBBC3E67833}"/>
+                  </a:ext>
+                  <a:ext uri="{C183D7F6-B498-43B3-948B-1728B52AA6E4}">
+                    <adec:decorative xmlns:adec="http://schemas.microsoft.com/office/drawing/2017/decorative" val="1"/>
+                  </a:ext>
+                </a:extLst>
+              </p:cNvPr>
+              <p:cNvSpPr/>
+              <p:nvPr>
+                <p:extLst>
+                  <p:ext uri="{386F3935-93C4-4BCD-93E2-E3B085C9AB24}">
+                    <p16:designElem xmlns:p16="http://schemas.microsoft.com/office/powerpoint/2015/main" val="1"/>
+                  </p:ext>
+                </p:extLst>
+              </p:nvPr>
+            </p:nvSpPr>
+            <p:spPr bwMode="auto">
+              <a:xfrm rot="5400000">
+                <a:off x="10034587" y="2562753"/>
+                <a:ext cx="298450" cy="1154113"/>
+              </a:xfrm>
+              <a:custGeom>
+                <a:avLst/>
+                <a:gdLst/>
+                <a:ahLst/>
+                <a:cxnLst/>
+                <a:rect l="0" t="0" r="r" b="b"/>
+                <a:pathLst>
+                  <a:path w="188" h="727">
+                    <a:moveTo>
+                      <a:pt x="15" y="727"/>
+                    </a:moveTo>
+                    <a:lnTo>
+                      <a:pt x="0" y="727"/>
+                    </a:lnTo>
+                    <a:lnTo>
+                      <a:pt x="0" y="407"/>
+                    </a:lnTo>
+                    <a:lnTo>
+                      <a:pt x="0" y="407"/>
+                    </a:lnTo>
+                    <a:lnTo>
+                      <a:pt x="176" y="0"/>
+                    </a:lnTo>
+                    <a:lnTo>
+                      <a:pt x="188" y="6"/>
+                    </a:lnTo>
+                    <a:lnTo>
+                      <a:pt x="15" y="410"/>
+                    </a:lnTo>
+                    <a:lnTo>
+                      <a:pt x="15" y="727"/>
+                    </a:lnTo>
+                    <a:close/>
+                  </a:path>
+                </a:pathLst>
+              </a:custGeom>
+              <a:solidFill>
+                <a:schemeClr val="tx2">
+                  <a:alpha val="60000"/>
+                </a:schemeClr>
+              </a:solidFill>
+              <a:ln>
+                <a:noFill/>
+              </a:ln>
+              <a:effectLst>
+                <a:outerShdw blurRad="50800" dist="38100" dir="2700000" algn="tl" rotWithShape="0">
+                  <a:srgbClr val="000000">
+                    <a:alpha val="58000"/>
+                  </a:srgbClr>
+                </a:outerShdw>
+              </a:effectLst>
+            </p:spPr>
+            <p:txBody>
+              <a:bodyPr/>
+              <a:lstStyle/>
+              <a:p>
+                <a:endParaRPr lang="da-DK"/>
+              </a:p>
+            </p:txBody>
+          </p:sp>
+          <p:sp>
+            <p:nvSpPr>
+              <p:cNvPr id="21" name="Freeform 36">
+                <a:extLst>
+                  <a:ext uri="{FF2B5EF4-FFF2-40B4-BE49-F238E27FC236}">
+                    <a16:creationId xmlns:a16="http://schemas.microsoft.com/office/drawing/2014/main" id="{25CA3B41-F8C1-48AF-B4B0-83A0E662AAA4}"/>
+                  </a:ext>
+                  <a:ext uri="{C183D7F6-B498-43B3-948B-1728B52AA6E4}">
+                    <adec:decorative xmlns:adec="http://schemas.microsoft.com/office/drawing/2017/decorative" val="1"/>
+                  </a:ext>
+                </a:extLst>
+              </p:cNvPr>
+              <p:cNvSpPr>
+                <a:spLocks noEditPoints="1"/>
+              </p:cNvSpPr>
+              <p:nvPr>
+                <p:extLst>
+                  <p:ext uri="{386F3935-93C4-4BCD-93E2-E3B085C9AB24}">
+                    <p16:designElem xmlns:p16="http://schemas.microsoft.com/office/powerpoint/2015/main" val="1"/>
+                  </p:ext>
+                </p:extLst>
+              </p:nvPr>
+            </p:nvSpPr>
+            <p:spPr bwMode="auto">
+              <a:xfrm rot="5400000">
+                <a:off x="10747375" y="3232679"/>
+                <a:ext cx="157163" cy="155575"/>
+              </a:xfrm>
+              <a:custGeom>
+                <a:avLst/>
+                <a:gdLst/>
+                <a:ahLst/>
+                <a:cxnLst/>
+                <a:rect l="0" t="0" r="r" b="b"/>
+                <a:pathLst>
+                  <a:path w="33" h="33">
+                    <a:moveTo>
+                      <a:pt x="17" y="33"/>
+                    </a:moveTo>
+                    <a:cubicBezTo>
+                      <a:pt x="8" y="33"/>
+                      <a:pt x="0" y="25"/>
+                      <a:pt x="0" y="16"/>
+                    </a:cubicBezTo>
+                    <a:cubicBezTo>
+                      <a:pt x="0" y="7"/>
+                      <a:pt x="8" y="0"/>
+                      <a:pt x="17" y="0"/>
+                    </a:cubicBezTo>
+                    <a:cubicBezTo>
+                      <a:pt x="26" y="0"/>
+                      <a:pt x="33" y="7"/>
+                      <a:pt x="33" y="16"/>
+                    </a:cubicBezTo>
+                    <a:cubicBezTo>
+                      <a:pt x="33" y="25"/>
+                      <a:pt x="26" y="33"/>
+                      <a:pt x="17" y="33"/>
+                    </a:cubicBezTo>
+                    <a:close/>
+                    <a:moveTo>
+                      <a:pt x="17" y="4"/>
+                    </a:moveTo>
+                    <a:cubicBezTo>
+                      <a:pt x="10" y="4"/>
+                      <a:pt x="4" y="9"/>
+                      <a:pt x="4" y="16"/>
+                    </a:cubicBezTo>
+                    <a:cubicBezTo>
+                      <a:pt x="4" y="23"/>
+                      <a:pt x="10" y="29"/>
+                      <a:pt x="17" y="29"/>
+                    </a:cubicBezTo>
+                    <a:cubicBezTo>
+                      <a:pt x="23" y="29"/>
+                      <a:pt x="29" y="23"/>
+                      <a:pt x="29" y="16"/>
+                    </a:cubicBezTo>
+                    <a:cubicBezTo>
+                      <a:pt x="29" y="9"/>
+                      <a:pt x="23" y="4"/>
+                      <a:pt x="17" y="4"/>
+                    </a:cubicBezTo>
+                    <a:close/>
+                  </a:path>
+                </a:pathLst>
+              </a:custGeom>
+              <a:solidFill>
+                <a:schemeClr val="tx2">
+                  <a:alpha val="60000"/>
+                </a:schemeClr>
+              </a:solidFill>
+              <a:ln>
+                <a:noFill/>
+              </a:ln>
+              <a:effectLst>
+                <a:outerShdw blurRad="50800" dist="38100" dir="2700000" algn="tl" rotWithShape="0">
+                  <a:srgbClr val="000000">
+                    <a:alpha val="58000"/>
+                  </a:srgbClr>
+                </a:outerShdw>
+              </a:effectLst>
+            </p:spPr>
+            <p:txBody>
+              <a:bodyPr/>
+              <a:lstStyle/>
+              <a:p>
+                <a:endParaRPr lang="da-DK"/>
+              </a:p>
+            </p:txBody>
+          </p:sp>
+          <p:sp>
+            <p:nvSpPr>
+              <p:cNvPr id="22" name="Freeform 38">
+                <a:extLst>
+                  <a:ext uri="{FF2B5EF4-FFF2-40B4-BE49-F238E27FC236}">
+                    <a16:creationId xmlns:a16="http://schemas.microsoft.com/office/drawing/2014/main" id="{A2E4BFFC-0D72-4691-AC6F-6D446092C848}"/>
+                  </a:ext>
+                  <a:ext uri="{C183D7F6-B498-43B3-948B-1728B52AA6E4}">
+                    <adec:decorative xmlns:adec="http://schemas.microsoft.com/office/drawing/2017/decorative" val="1"/>
+                  </a:ext>
+                </a:extLst>
+              </p:cNvPr>
+              <p:cNvSpPr>
+                <a:spLocks noEditPoints="1"/>
+              </p:cNvSpPr>
+              <p:nvPr>
+                <p:extLst>
+                  <p:ext uri="{386F3935-93C4-4BCD-93E2-E3B085C9AB24}">
+                    <p16:designElem xmlns:p16="http://schemas.microsoft.com/office/powerpoint/2015/main" val="1"/>
+                  </p:ext>
+                </p:extLst>
+              </p:nvPr>
+            </p:nvSpPr>
+            <p:spPr bwMode="auto">
+              <a:xfrm rot="5400000">
+                <a:off x="11399044" y="3095360"/>
+                <a:ext cx="188913" cy="188913"/>
+              </a:xfrm>
+              <a:custGeom>
+                <a:avLst/>
+                <a:gdLst/>
+                <a:ahLst/>
+                <a:cxnLst/>
+                <a:rect l="0" t="0" r="r" b="b"/>
+                <a:pathLst>
+                  <a:path w="40" h="40">
+                    <a:moveTo>
+                      <a:pt x="20" y="40"/>
+                    </a:moveTo>
+                    <a:cubicBezTo>
+                      <a:pt x="9" y="40"/>
+                      <a:pt x="0" y="31"/>
+                      <a:pt x="0" y="20"/>
+                    </a:cubicBezTo>
+                    <a:cubicBezTo>
+                      <a:pt x="0" y="9"/>
+                      <a:pt x="9" y="0"/>
+                      <a:pt x="20" y="0"/>
+                    </a:cubicBezTo>
+                    <a:cubicBezTo>
+                      <a:pt x="31" y="0"/>
+                      <a:pt x="40" y="9"/>
+                      <a:pt x="40" y="20"/>
+                    </a:cubicBezTo>
+                    <a:cubicBezTo>
+                      <a:pt x="40" y="31"/>
+                      <a:pt x="31" y="40"/>
+                      <a:pt x="20" y="40"/>
+                    </a:cubicBezTo>
+                    <a:close/>
+                    <a:moveTo>
+                      <a:pt x="20" y="4"/>
+                    </a:moveTo>
+                    <a:cubicBezTo>
+                      <a:pt x="11" y="4"/>
+                      <a:pt x="4" y="11"/>
+                      <a:pt x="4" y="20"/>
+                    </a:cubicBezTo>
+                    <a:cubicBezTo>
+                      <a:pt x="4" y="29"/>
+                      <a:pt x="11" y="36"/>
+                      <a:pt x="20" y="36"/>
+                    </a:cubicBezTo>
+                    <a:cubicBezTo>
+                      <a:pt x="29" y="36"/>
+                      <a:pt x="36" y="29"/>
+                      <a:pt x="36" y="20"/>
+                    </a:cubicBezTo>
+                    <a:cubicBezTo>
+                      <a:pt x="36" y="11"/>
+                      <a:pt x="29" y="4"/>
+                      <a:pt x="20" y="4"/>
+                    </a:cubicBezTo>
+                    <a:close/>
+                  </a:path>
+                </a:pathLst>
+              </a:custGeom>
+              <a:solidFill>
+                <a:schemeClr val="tx2">
+                  <a:alpha val="60000"/>
+                </a:schemeClr>
+              </a:solidFill>
+              <a:ln>
+                <a:noFill/>
+              </a:ln>
+              <a:effectLst>
+                <a:outerShdw blurRad="50800" dist="38100" dir="2700000" algn="tl" rotWithShape="0">
+                  <a:srgbClr val="000000">
+                    <a:alpha val="58000"/>
+                  </a:srgbClr>
+                </a:outerShdw>
+              </a:effectLst>
+            </p:spPr>
+            <p:txBody>
+              <a:bodyPr/>
+              <a:lstStyle/>
+              <a:p>
+                <a:endParaRPr lang="da-DK"/>
+              </a:p>
+            </p:txBody>
+          </p:sp>
+          <p:sp>
+            <p:nvSpPr>
+              <p:cNvPr id="23" name="Freeform 39">
+                <a:extLst>
+                  <a:ext uri="{FF2B5EF4-FFF2-40B4-BE49-F238E27FC236}">
+                    <a16:creationId xmlns:a16="http://schemas.microsoft.com/office/drawing/2014/main" id="{7E81AA48-AA02-4008-9B21-B1BB050424C5}"/>
+                  </a:ext>
+                  <a:ext uri="{C183D7F6-B498-43B3-948B-1728B52AA6E4}">
+                    <adec:decorative xmlns:adec="http://schemas.microsoft.com/office/drawing/2017/decorative" val="1"/>
+                  </a:ext>
+                </a:extLst>
+              </p:cNvPr>
+              <p:cNvSpPr/>
+              <p:nvPr>
+                <p:extLst>
+                  <p:ext uri="{386F3935-93C4-4BCD-93E2-E3B085C9AB24}">
+                    <p16:designElem xmlns:p16="http://schemas.microsoft.com/office/powerpoint/2015/main" val="1"/>
+                  </p:ext>
+                </p:extLst>
+              </p:nvPr>
+            </p:nvSpPr>
+            <p:spPr bwMode="auto">
+              <a:xfrm rot="5400000">
+                <a:off x="10353675" y="2153178"/>
+                <a:ext cx="307975" cy="1801813"/>
+              </a:xfrm>
+              <a:custGeom>
+                <a:avLst/>
+                <a:gdLst/>
+                <a:ahLst/>
+                <a:cxnLst/>
+                <a:rect l="0" t="0" r="r" b="b"/>
+                <a:pathLst>
+                  <a:path w="194" h="1135">
+                    <a:moveTo>
+                      <a:pt x="18" y="1135"/>
+                    </a:moveTo>
+                    <a:lnTo>
+                      <a:pt x="0" y="1135"/>
+                    </a:lnTo>
+                    <a:lnTo>
+                      <a:pt x="0" y="354"/>
+                    </a:lnTo>
+                    <a:lnTo>
+                      <a:pt x="176" y="177"/>
+                    </a:lnTo>
+                    <a:lnTo>
+                      <a:pt x="176" y="0"/>
+                    </a:lnTo>
+                    <a:lnTo>
+                      <a:pt x="194" y="0"/>
+                    </a:lnTo>
+                    <a:lnTo>
+                      <a:pt x="194" y="183"/>
+                    </a:lnTo>
+                    <a:lnTo>
+                      <a:pt x="18" y="360"/>
+                    </a:lnTo>
+                    <a:lnTo>
+                      <a:pt x="18" y="1135"/>
+                    </a:lnTo>
+                    <a:close/>
+                  </a:path>
+                </a:pathLst>
+              </a:custGeom>
+              <a:solidFill>
+                <a:schemeClr val="tx2">
+                  <a:alpha val="60000"/>
+                </a:schemeClr>
+              </a:solidFill>
+              <a:ln>
+                <a:noFill/>
+              </a:ln>
+              <a:effectLst>
+                <a:outerShdw blurRad="50800" dist="38100" dir="2700000" algn="tl" rotWithShape="0">
+                  <a:srgbClr val="000000">
+                    <a:alpha val="58000"/>
+                  </a:srgbClr>
+                </a:outerShdw>
+              </a:effectLst>
+            </p:spPr>
+            <p:txBody>
+              <a:bodyPr/>
+              <a:lstStyle/>
+              <a:p>
+                <a:endParaRPr lang="da-DK"/>
+              </a:p>
+            </p:txBody>
+          </p:sp>
+          <p:sp>
+            <p:nvSpPr>
+              <p:cNvPr id="24" name="Freeform 40">
+                <a:extLst>
+                  <a:ext uri="{FF2B5EF4-FFF2-40B4-BE49-F238E27FC236}">
+                    <a16:creationId xmlns:a16="http://schemas.microsoft.com/office/drawing/2014/main" id="{08B8F28E-CB03-4B11-8575-F1AB3A12A3A8}"/>
+                  </a:ext>
+                  <a:ext uri="{C183D7F6-B498-43B3-948B-1728B52AA6E4}">
+                    <adec:decorative xmlns:adec="http://schemas.microsoft.com/office/drawing/2017/decorative" val="1"/>
+                  </a:ext>
+                </a:extLst>
+              </p:cNvPr>
+              <p:cNvSpPr>
+                <a:spLocks noEditPoints="1"/>
+              </p:cNvSpPr>
+              <p:nvPr>
+                <p:extLst>
+                  <p:ext uri="{386F3935-93C4-4BCD-93E2-E3B085C9AB24}">
+                    <p16:designElem xmlns:p16="http://schemas.microsoft.com/office/powerpoint/2015/main" val="1"/>
+                  </p:ext>
+                </p:extLst>
+              </p:nvPr>
+            </p:nvSpPr>
+            <p:spPr bwMode="auto">
+              <a:xfrm rot="5400000">
+                <a:off x="9848850" y="3308878"/>
+                <a:ext cx="190500" cy="188913"/>
+              </a:xfrm>
+              <a:custGeom>
+                <a:avLst/>
+                <a:gdLst/>
+                <a:ahLst/>
+                <a:cxnLst/>
+                <a:rect l="0" t="0" r="r" b="b"/>
+                <a:pathLst>
+                  <a:path w="40" h="40">
+                    <a:moveTo>
+                      <a:pt x="20" y="40"/>
+                    </a:moveTo>
+                    <a:cubicBezTo>
+                      <a:pt x="9" y="40"/>
+                      <a:pt x="0" y="31"/>
+                      <a:pt x="0" y="20"/>
+                    </a:cubicBezTo>
+                    <a:cubicBezTo>
+                      <a:pt x="0" y="9"/>
+                      <a:pt x="9" y="0"/>
+                      <a:pt x="20" y="0"/>
+                    </a:cubicBezTo>
+                    <a:cubicBezTo>
+                      <a:pt x="31" y="0"/>
+                      <a:pt x="40" y="9"/>
+                      <a:pt x="40" y="20"/>
+                    </a:cubicBezTo>
+                    <a:cubicBezTo>
+                      <a:pt x="40" y="31"/>
+                      <a:pt x="31" y="40"/>
+                      <a:pt x="20" y="40"/>
+                    </a:cubicBezTo>
+                    <a:close/>
+                    <a:moveTo>
+                      <a:pt x="20" y="4"/>
+                    </a:moveTo>
+                    <a:cubicBezTo>
+                      <a:pt x="12" y="4"/>
+                      <a:pt x="4" y="11"/>
+                      <a:pt x="4" y="20"/>
+                    </a:cubicBezTo>
+                    <a:cubicBezTo>
+                      <a:pt x="4" y="29"/>
+                      <a:pt x="12" y="36"/>
+                      <a:pt x="20" y="36"/>
+                    </a:cubicBezTo>
+                    <a:cubicBezTo>
+                      <a:pt x="29" y="36"/>
+                      <a:pt x="36" y="29"/>
+                      <a:pt x="36" y="20"/>
+                    </a:cubicBezTo>
+                    <a:cubicBezTo>
+                      <a:pt x="36" y="11"/>
+                      <a:pt x="29" y="4"/>
+                      <a:pt x="20" y="4"/>
+                    </a:cubicBezTo>
+                    <a:close/>
+                  </a:path>
+                </a:pathLst>
+              </a:custGeom>
+              <a:solidFill>
+                <a:schemeClr val="tx2">
+                  <a:alpha val="60000"/>
+                </a:schemeClr>
+              </a:solidFill>
+              <a:ln>
+                <a:noFill/>
+              </a:ln>
+              <a:effectLst>
+                <a:outerShdw blurRad="50800" dist="38100" dir="2700000" algn="tl" rotWithShape="0">
+                  <a:srgbClr val="000000">
+                    <a:alpha val="58000"/>
+                  </a:srgbClr>
+                </a:outerShdw>
+              </a:effectLst>
+            </p:spPr>
+            <p:txBody>
+              <a:bodyPr/>
+              <a:lstStyle/>
+              <a:p>
+                <a:endParaRPr lang="da-DK"/>
+              </a:p>
+            </p:txBody>
+          </p:sp>
+          <p:sp>
+            <p:nvSpPr>
+              <p:cNvPr id="25" name="Rectangle 41">
+                <a:extLst>
+                  <a:ext uri="{FF2B5EF4-FFF2-40B4-BE49-F238E27FC236}">
+                    <a16:creationId xmlns:a16="http://schemas.microsoft.com/office/drawing/2014/main" id="{6F2B917E-B873-4E35-8D18-F116784B501D}"/>
+                  </a:ext>
+                  <a:ext uri="{C183D7F6-B498-43B3-948B-1728B52AA6E4}">
+                    <adec:decorative xmlns:adec="http://schemas.microsoft.com/office/drawing/2017/decorative" val="1"/>
+                  </a:ext>
+                </a:extLst>
+              </p:cNvPr>
+              <p:cNvSpPr>
+                <a:spLocks noChangeArrowheads="1"/>
+              </p:cNvSpPr>
+              <p:nvPr>
+                <p:extLst>
+                  <p:ext uri="{386F3935-93C4-4BCD-93E2-E3B085C9AB24}">
+                    <p16:designElem xmlns:p16="http://schemas.microsoft.com/office/powerpoint/2015/main" val="1"/>
+                  </p:ext>
+                </p:extLst>
+              </p:nvPr>
+            </p:nvSpPr>
+            <p:spPr bwMode="auto">
+              <a:xfrm rot="5400000">
+                <a:off x="9721056" y="3284272"/>
+                <a:ext cx="23813" cy="252413"/>
+              </a:xfrm>
+              <a:prstGeom prst="rect">
+                <a:avLst/>
+              </a:prstGeom>
+              <a:solidFill>
+                <a:schemeClr val="tx2">
+                  <a:alpha val="60000"/>
+                </a:schemeClr>
+              </a:solidFill>
+              <a:ln>
+                <a:noFill/>
+              </a:ln>
+              <a:effectLst>
+                <a:outerShdw blurRad="50800" dist="38100" dir="2700000" algn="tl" rotWithShape="0">
+                  <a:srgbClr val="000000">
+                    <a:alpha val="58000"/>
+                  </a:srgbClr>
+                </a:outerShdw>
+              </a:effectLst>
+            </p:spPr>
+            <p:txBody>
+              <a:bodyPr/>
+              <a:lstStyle/>
+              <a:p>
+                <a:endParaRPr lang="da-DK"/>
+              </a:p>
+            </p:txBody>
+          </p:sp>
+          <p:sp>
+            <p:nvSpPr>
+              <p:cNvPr id="26" name="Freeform 32">
+                <a:extLst>
+                  <a:ext uri="{FF2B5EF4-FFF2-40B4-BE49-F238E27FC236}">
+                    <a16:creationId xmlns:a16="http://schemas.microsoft.com/office/drawing/2014/main" id="{DA0EBFF7-C330-4AEE-806E-6A2D745425FD}"/>
+                  </a:ext>
+                  <a:ext uri="{C183D7F6-B498-43B3-948B-1728B52AA6E4}">
+                    <adec:decorative xmlns:adec="http://schemas.microsoft.com/office/drawing/2017/decorative" val="1"/>
+                  </a:ext>
+                </a:extLst>
+              </p:cNvPr>
+              <p:cNvSpPr/>
+              <p:nvPr>
+                <p:extLst>
+                  <p:ext uri="{386F3935-93C4-4BCD-93E2-E3B085C9AB24}">
+                    <p16:designElem xmlns:p16="http://schemas.microsoft.com/office/powerpoint/2015/main" val="1"/>
+                  </p:ext>
+                </p:extLst>
+              </p:nvPr>
+            </p:nvSpPr>
+            <p:spPr bwMode="auto">
+              <a:xfrm rot="16200000" flipH="1" flipV="1">
+                <a:off x="2122751" y="3532184"/>
+                <a:ext cx="417513" cy="512763"/>
+              </a:xfrm>
+              <a:custGeom>
+                <a:avLst/>
+                <a:gdLst/>
+                <a:ahLst/>
+                <a:cxnLst/>
+                <a:rect l="0" t="0" r="r" b="b"/>
+                <a:pathLst>
+                  <a:path w="263" h="323">
+                    <a:moveTo>
+                      <a:pt x="12" y="323"/>
+                    </a:moveTo>
+                    <a:lnTo>
+                      <a:pt x="0" y="314"/>
+                    </a:lnTo>
+                    <a:lnTo>
+                      <a:pt x="203" y="108"/>
+                    </a:lnTo>
+                    <a:lnTo>
+                      <a:pt x="248" y="0"/>
+                    </a:lnTo>
+                    <a:lnTo>
+                      <a:pt x="263" y="6"/>
+                    </a:lnTo>
+                    <a:lnTo>
+                      <a:pt x="218" y="117"/>
+                    </a:lnTo>
+                    <a:lnTo>
+                      <a:pt x="218" y="117"/>
+                    </a:lnTo>
+                    <a:lnTo>
+                      <a:pt x="12" y="323"/>
+                    </a:lnTo>
+                    <a:close/>
+                  </a:path>
+                </a:pathLst>
+              </a:custGeom>
+              <a:solidFill>
+                <a:schemeClr val="tx2">
+                  <a:alpha val="60000"/>
+                </a:schemeClr>
+              </a:solidFill>
+              <a:ln>
+                <a:noFill/>
+              </a:ln>
+              <a:effectLst>
+                <a:outerShdw blurRad="50800" dist="38100" dir="2700000" algn="tl" rotWithShape="0">
+                  <a:srgbClr val="000000">
+                    <a:alpha val="58000"/>
+                  </a:srgbClr>
+                </a:outerShdw>
+              </a:effectLst>
+            </p:spPr>
+            <p:txBody>
+              <a:bodyPr/>
+              <a:lstStyle/>
+              <a:p>
+                <a:endParaRPr lang="da-DK"/>
+              </a:p>
+            </p:txBody>
+          </p:sp>
+          <p:sp>
+            <p:nvSpPr>
+              <p:cNvPr id="27" name="Freeform 33">
+                <a:extLst>
+                  <a:ext uri="{FF2B5EF4-FFF2-40B4-BE49-F238E27FC236}">
+                    <a16:creationId xmlns:a16="http://schemas.microsoft.com/office/drawing/2014/main" id="{2A66CF61-D72F-4E03-B74E-4BDD67D1CA33}"/>
+                  </a:ext>
+                  <a:ext uri="{C183D7F6-B498-43B3-948B-1728B52AA6E4}">
+                    <adec:decorative xmlns:adec="http://schemas.microsoft.com/office/drawing/2017/decorative" val="1"/>
+                  </a:ext>
+                </a:extLst>
+              </p:cNvPr>
+              <p:cNvSpPr>
+                <a:spLocks noEditPoints="1"/>
+              </p:cNvSpPr>
+              <p:nvPr>
+                <p:extLst>
+                  <p:ext uri="{386F3935-93C4-4BCD-93E2-E3B085C9AB24}">
+                    <p16:designElem xmlns:p16="http://schemas.microsoft.com/office/powerpoint/2015/main" val="1"/>
+                  </p:ext>
+                </p:extLst>
+              </p:nvPr>
+            </p:nvSpPr>
+            <p:spPr bwMode="auto">
+              <a:xfrm rot="16200000" flipH="1" flipV="1">
+                <a:off x="1958445" y="3463128"/>
+                <a:ext cx="157163" cy="152400"/>
+              </a:xfrm>
+              <a:custGeom>
+                <a:avLst/>
+                <a:gdLst/>
+                <a:ahLst/>
+                <a:cxnLst/>
+                <a:rect l="0" t="0" r="r" b="b"/>
+                <a:pathLst>
+                  <a:path w="33" h="32">
+                    <a:moveTo>
+                      <a:pt x="17" y="32"/>
+                    </a:moveTo>
+                    <a:cubicBezTo>
+                      <a:pt x="13" y="32"/>
+                      <a:pt x="9" y="30"/>
+                      <a:pt x="6" y="27"/>
+                    </a:cubicBezTo>
+                    <a:cubicBezTo>
+                      <a:pt x="0" y="21"/>
+                      <a:pt x="0" y="11"/>
+                      <a:pt x="6" y="5"/>
+                    </a:cubicBezTo>
+                    <a:cubicBezTo>
+                      <a:pt x="9" y="2"/>
+                      <a:pt x="13" y="0"/>
+                      <a:pt x="17" y="0"/>
+                    </a:cubicBezTo>
+                    <a:cubicBezTo>
+                      <a:pt x="21" y="0"/>
+                      <a:pt x="25" y="2"/>
+                      <a:pt x="28" y="5"/>
+                    </a:cubicBezTo>
+                    <a:cubicBezTo>
+                      <a:pt x="31" y="8"/>
+                      <a:pt x="33" y="12"/>
+                      <a:pt x="33" y="16"/>
+                    </a:cubicBezTo>
+                    <a:cubicBezTo>
+                      <a:pt x="33" y="20"/>
+                      <a:pt x="31" y="24"/>
+                      <a:pt x="28" y="27"/>
+                    </a:cubicBezTo>
+                    <a:cubicBezTo>
+                      <a:pt x="25" y="30"/>
+                      <a:pt x="21" y="32"/>
+                      <a:pt x="17" y="32"/>
+                    </a:cubicBezTo>
+                    <a:close/>
+                    <a:moveTo>
+                      <a:pt x="17" y="4"/>
+                    </a:moveTo>
+                    <a:cubicBezTo>
+                      <a:pt x="14" y="4"/>
+                      <a:pt x="11" y="6"/>
+                      <a:pt x="9" y="8"/>
+                    </a:cubicBezTo>
+                    <a:cubicBezTo>
+                      <a:pt x="4" y="12"/>
+                      <a:pt x="4" y="20"/>
+                      <a:pt x="9" y="24"/>
+                    </a:cubicBezTo>
+                    <a:cubicBezTo>
+                      <a:pt x="11" y="27"/>
+                      <a:pt x="14" y="28"/>
+                      <a:pt x="17" y="28"/>
+                    </a:cubicBezTo>
+                    <a:cubicBezTo>
+                      <a:pt x="20" y="28"/>
+                      <a:pt x="23" y="27"/>
+                      <a:pt x="26" y="24"/>
+                    </a:cubicBezTo>
+                    <a:cubicBezTo>
+                      <a:pt x="30" y="20"/>
+                      <a:pt x="30" y="12"/>
+                      <a:pt x="26" y="8"/>
+                    </a:cubicBezTo>
+                    <a:cubicBezTo>
+                      <a:pt x="23" y="6"/>
+                      <a:pt x="20" y="4"/>
+                      <a:pt x="17" y="4"/>
+                    </a:cubicBezTo>
+                    <a:close/>
+                  </a:path>
+                </a:pathLst>
+              </a:custGeom>
+              <a:solidFill>
+                <a:schemeClr val="tx2">
+                  <a:alpha val="60000"/>
+                </a:schemeClr>
+              </a:solidFill>
+              <a:ln>
+                <a:noFill/>
+              </a:ln>
+              <a:effectLst>
+                <a:outerShdw blurRad="50800" dist="38100" dir="2700000" algn="tl" rotWithShape="0">
+                  <a:srgbClr val="000000">
+                    <a:alpha val="58000"/>
+                  </a:srgbClr>
+                </a:outerShdw>
+              </a:effectLst>
+            </p:spPr>
+            <p:txBody>
+              <a:bodyPr/>
+              <a:lstStyle/>
+              <a:p>
+                <a:endParaRPr lang="da-DK"/>
+              </a:p>
+            </p:txBody>
+          </p:sp>
+          <p:sp>
+            <p:nvSpPr>
+              <p:cNvPr id="28" name="Freeform 34">
+                <a:extLst>
+                  <a:ext uri="{FF2B5EF4-FFF2-40B4-BE49-F238E27FC236}">
+                    <a16:creationId xmlns:a16="http://schemas.microsoft.com/office/drawing/2014/main" id="{04DE5338-105A-4EB0-8FE2-D41DC2F98479}"/>
+                  </a:ext>
+                  <a:ext uri="{C183D7F6-B498-43B3-948B-1728B52AA6E4}">
+                    <adec:decorative xmlns:adec="http://schemas.microsoft.com/office/drawing/2017/decorative" val="1"/>
+                  </a:ext>
+                </a:extLst>
+              </p:cNvPr>
+              <p:cNvSpPr>
+                <a:spLocks noEditPoints="1"/>
+              </p:cNvSpPr>
+              <p:nvPr>
+                <p:extLst>
+                  <p:ext uri="{386F3935-93C4-4BCD-93E2-E3B085C9AB24}">
+                    <p16:designElem xmlns:p16="http://schemas.microsoft.com/office/powerpoint/2015/main" val="1"/>
+                  </p:ext>
+                </p:extLst>
+              </p:nvPr>
+            </p:nvSpPr>
+            <p:spPr bwMode="auto">
+              <a:xfrm rot="16200000" flipH="1" flipV="1">
+                <a:off x="858308" y="3726653"/>
+                <a:ext cx="188913" cy="190500"/>
+              </a:xfrm>
+              <a:custGeom>
+                <a:avLst/>
+                <a:gdLst/>
+                <a:ahLst/>
+                <a:cxnLst/>
+                <a:rect l="0" t="0" r="r" b="b"/>
+                <a:pathLst>
+                  <a:path w="40" h="40">
+                    <a:moveTo>
+                      <a:pt x="20" y="40"/>
+                    </a:moveTo>
+                    <a:cubicBezTo>
+                      <a:pt x="9" y="40"/>
+                      <a:pt x="0" y="31"/>
+                      <a:pt x="0" y="20"/>
+                    </a:cubicBezTo>
+                    <a:cubicBezTo>
+                      <a:pt x="0" y="9"/>
+                      <a:pt x="9" y="0"/>
+                      <a:pt x="20" y="0"/>
+                    </a:cubicBezTo>
+                    <a:cubicBezTo>
+                      <a:pt x="31" y="0"/>
+                      <a:pt x="40" y="9"/>
+                      <a:pt x="40" y="20"/>
+                    </a:cubicBezTo>
+                    <a:cubicBezTo>
+                      <a:pt x="40" y="31"/>
+                      <a:pt x="31" y="40"/>
+                      <a:pt x="20" y="40"/>
+                    </a:cubicBezTo>
+                    <a:close/>
+                    <a:moveTo>
+                      <a:pt x="20" y="4"/>
+                    </a:moveTo>
+                    <a:cubicBezTo>
+                      <a:pt x="11" y="4"/>
+                      <a:pt x="4" y="11"/>
+                      <a:pt x="4" y="20"/>
+                    </a:cubicBezTo>
+                    <a:cubicBezTo>
+                      <a:pt x="4" y="29"/>
+                      <a:pt x="11" y="36"/>
+                      <a:pt x="20" y="36"/>
+                    </a:cubicBezTo>
+                    <a:cubicBezTo>
+                      <a:pt x="29" y="36"/>
+                      <a:pt x="36" y="29"/>
+                      <a:pt x="36" y="20"/>
+                    </a:cubicBezTo>
+                    <a:cubicBezTo>
+                      <a:pt x="36" y="11"/>
+                      <a:pt x="29" y="4"/>
+                      <a:pt x="20" y="4"/>
+                    </a:cubicBezTo>
+                    <a:close/>
+                  </a:path>
+                </a:pathLst>
+              </a:custGeom>
+              <a:solidFill>
+                <a:schemeClr val="tx2">
+                  <a:alpha val="60000"/>
+                </a:schemeClr>
+              </a:solidFill>
+              <a:ln>
+                <a:noFill/>
+              </a:ln>
+              <a:effectLst>
+                <a:outerShdw blurRad="50800" dist="38100" dir="2700000" algn="tl" rotWithShape="0">
+                  <a:srgbClr val="000000">
+                    <a:alpha val="58000"/>
+                  </a:srgbClr>
+                </a:outerShdw>
+              </a:effectLst>
+            </p:spPr>
+            <p:txBody>
+              <a:bodyPr/>
+              <a:lstStyle/>
+              <a:p>
+                <a:endParaRPr lang="da-DK"/>
+              </a:p>
+            </p:txBody>
+          </p:sp>
+          <p:sp>
+            <p:nvSpPr>
+              <p:cNvPr id="29" name="Freeform 37">
+                <a:extLst>
+                  <a:ext uri="{FF2B5EF4-FFF2-40B4-BE49-F238E27FC236}">
+                    <a16:creationId xmlns:a16="http://schemas.microsoft.com/office/drawing/2014/main" id="{C9A1C85F-5B5B-47FA-8C0C-66F75C274128}"/>
+                  </a:ext>
+                  <a:ext uri="{C183D7F6-B498-43B3-948B-1728B52AA6E4}">
+                    <adec:decorative xmlns:adec="http://schemas.microsoft.com/office/drawing/2017/decorative" val="1"/>
+                  </a:ext>
+                </a:extLst>
+              </p:cNvPr>
+              <p:cNvSpPr/>
+              <p:nvPr>
+                <p:extLst>
+                  <p:ext uri="{386F3935-93C4-4BCD-93E2-E3B085C9AB24}">
+                    <p16:designElem xmlns:p16="http://schemas.microsoft.com/office/powerpoint/2015/main" val="1"/>
+                  </p:ext>
+                </p:extLst>
+              </p:nvPr>
+            </p:nvSpPr>
+            <p:spPr bwMode="auto">
+              <a:xfrm rot="16200000" flipH="1" flipV="1">
+                <a:off x="1658407" y="3186902"/>
+                <a:ext cx="304800" cy="1544638"/>
+              </a:xfrm>
+              <a:custGeom>
+                <a:avLst/>
+                <a:gdLst/>
+                <a:ahLst/>
+                <a:cxnLst/>
+                <a:rect l="0" t="0" r="r" b="b"/>
+                <a:pathLst>
+                  <a:path w="192" h="973">
+                    <a:moveTo>
+                      <a:pt x="15" y="973"/>
+                    </a:moveTo>
+                    <a:lnTo>
+                      <a:pt x="0" y="973"/>
+                    </a:lnTo>
+                    <a:lnTo>
+                      <a:pt x="0" y="790"/>
+                    </a:lnTo>
+                    <a:lnTo>
+                      <a:pt x="174" y="614"/>
+                    </a:lnTo>
+                    <a:lnTo>
+                      <a:pt x="174" y="0"/>
+                    </a:lnTo>
+                    <a:lnTo>
+                      <a:pt x="192" y="0"/>
+                    </a:lnTo>
+                    <a:lnTo>
+                      <a:pt x="192" y="620"/>
+                    </a:lnTo>
+                    <a:lnTo>
+                      <a:pt x="15" y="796"/>
+                    </a:lnTo>
+                    <a:lnTo>
+                      <a:pt x="15" y="973"/>
+                    </a:lnTo>
+                    <a:close/>
+                  </a:path>
+                </a:pathLst>
+              </a:custGeom>
+              <a:solidFill>
+                <a:schemeClr val="tx2">
+                  <a:alpha val="60000"/>
+                </a:schemeClr>
+              </a:solidFill>
+              <a:ln>
+                <a:noFill/>
+              </a:ln>
+              <a:effectLst>
+                <a:outerShdw blurRad="50800" dist="38100" dir="2700000" algn="tl" rotWithShape="0">
+                  <a:srgbClr val="000000">
+                    <a:alpha val="58000"/>
+                  </a:srgbClr>
+                </a:outerShdw>
+              </a:effectLst>
+            </p:spPr>
+            <p:txBody>
+              <a:bodyPr/>
+              <a:lstStyle/>
+              <a:p>
+                <a:endParaRPr lang="da-DK"/>
+              </a:p>
+            </p:txBody>
+          </p:sp>
+          <p:sp>
+            <p:nvSpPr>
+              <p:cNvPr id="30" name="Freeform 35">
+                <a:extLst>
+                  <a:ext uri="{FF2B5EF4-FFF2-40B4-BE49-F238E27FC236}">
+                    <a16:creationId xmlns:a16="http://schemas.microsoft.com/office/drawing/2014/main" id="{75F79533-DD24-4E6A-83A1-9E21DF565191}"/>
+                  </a:ext>
+                  <a:ext uri="{C183D7F6-B498-43B3-948B-1728B52AA6E4}">
+                    <adec:decorative xmlns:adec="http://schemas.microsoft.com/office/drawing/2017/decorative" val="1"/>
+                  </a:ext>
+                </a:extLst>
+              </p:cNvPr>
+              <p:cNvSpPr/>
+              <p:nvPr>
+                <p:extLst>
+                  <p:ext uri="{386F3935-93C4-4BCD-93E2-E3B085C9AB24}">
+                    <p16:designElem xmlns:p16="http://schemas.microsoft.com/office/powerpoint/2015/main" val="1"/>
+                  </p:ext>
+                </p:extLst>
+              </p:nvPr>
+            </p:nvSpPr>
+            <p:spPr bwMode="auto">
+              <a:xfrm rot="16200000" flipH="1">
+                <a:off x="1860814" y="2715153"/>
+                <a:ext cx="298450" cy="1154113"/>
+              </a:xfrm>
+              <a:custGeom>
+                <a:avLst/>
+                <a:gdLst/>
+                <a:ahLst/>
+                <a:cxnLst/>
+                <a:rect l="0" t="0" r="r" b="b"/>
+                <a:pathLst>
+                  <a:path w="188" h="727">
+                    <a:moveTo>
+                      <a:pt x="15" y="727"/>
+                    </a:moveTo>
+                    <a:lnTo>
+                      <a:pt x="0" y="727"/>
+                    </a:lnTo>
+                    <a:lnTo>
+                      <a:pt x="0" y="407"/>
+                    </a:lnTo>
+                    <a:lnTo>
+                      <a:pt x="0" y="407"/>
+                    </a:lnTo>
+                    <a:lnTo>
+                      <a:pt x="176" y="0"/>
+                    </a:lnTo>
+                    <a:lnTo>
+                      <a:pt x="188" y="6"/>
+                    </a:lnTo>
+                    <a:lnTo>
+                      <a:pt x="15" y="410"/>
+                    </a:lnTo>
+                    <a:lnTo>
+                      <a:pt x="15" y="727"/>
+                    </a:lnTo>
+                    <a:close/>
+                  </a:path>
+                </a:pathLst>
+              </a:custGeom>
+              <a:solidFill>
+                <a:schemeClr val="tx2">
+                  <a:alpha val="60000"/>
+                </a:schemeClr>
+              </a:solidFill>
+              <a:ln>
+                <a:noFill/>
+              </a:ln>
+              <a:effectLst>
+                <a:outerShdw blurRad="50800" dist="38100" dir="2700000" algn="tl" rotWithShape="0">
+                  <a:srgbClr val="000000">
+                    <a:alpha val="58000"/>
+                  </a:srgbClr>
+                </a:outerShdw>
+              </a:effectLst>
+            </p:spPr>
+            <p:txBody>
+              <a:bodyPr/>
+              <a:lstStyle/>
+              <a:p>
+                <a:endParaRPr lang="da-DK"/>
+              </a:p>
+            </p:txBody>
+          </p:sp>
+          <p:sp>
+            <p:nvSpPr>
+              <p:cNvPr id="31" name="Freeform 36">
+                <a:extLst>
+                  <a:ext uri="{FF2B5EF4-FFF2-40B4-BE49-F238E27FC236}">
+                    <a16:creationId xmlns:a16="http://schemas.microsoft.com/office/drawing/2014/main" id="{376D6142-024F-4BD4-95B7-A6D05EF593D4}"/>
+                  </a:ext>
+                  <a:ext uri="{C183D7F6-B498-43B3-948B-1728B52AA6E4}">
+                    <adec:decorative xmlns:adec="http://schemas.microsoft.com/office/drawing/2017/decorative" val="1"/>
+                  </a:ext>
+                </a:extLst>
+              </p:cNvPr>
+              <p:cNvSpPr>
+                <a:spLocks noEditPoints="1"/>
+              </p:cNvSpPr>
+              <p:nvPr>
+                <p:extLst>
+                  <p:ext uri="{386F3935-93C4-4BCD-93E2-E3B085C9AB24}">
+                    <p16:designElem xmlns:p16="http://schemas.microsoft.com/office/powerpoint/2015/main" val="1"/>
+                  </p:ext>
+                </p:extLst>
+              </p:nvPr>
+            </p:nvSpPr>
+            <p:spPr bwMode="auto">
+              <a:xfrm rot="16200000" flipH="1">
+                <a:off x="1289314" y="3385079"/>
+                <a:ext cx="157163" cy="155575"/>
+              </a:xfrm>
+              <a:custGeom>
+                <a:avLst/>
+                <a:gdLst/>
+                <a:ahLst/>
+                <a:cxnLst/>
+                <a:rect l="0" t="0" r="r" b="b"/>
+                <a:pathLst>
+                  <a:path w="33" h="33">
+                    <a:moveTo>
+                      <a:pt x="17" y="33"/>
+                    </a:moveTo>
+                    <a:cubicBezTo>
+                      <a:pt x="8" y="33"/>
+                      <a:pt x="0" y="25"/>
+                      <a:pt x="0" y="16"/>
+                    </a:cubicBezTo>
+                    <a:cubicBezTo>
+                      <a:pt x="0" y="7"/>
+                      <a:pt x="8" y="0"/>
+                      <a:pt x="17" y="0"/>
+                    </a:cubicBezTo>
+                    <a:cubicBezTo>
+                      <a:pt x="26" y="0"/>
+                      <a:pt x="33" y="7"/>
+                      <a:pt x="33" y="16"/>
+                    </a:cubicBezTo>
+                    <a:cubicBezTo>
+                      <a:pt x="33" y="25"/>
+                      <a:pt x="26" y="33"/>
+                      <a:pt x="17" y="33"/>
+                    </a:cubicBezTo>
+                    <a:close/>
+                    <a:moveTo>
+                      <a:pt x="17" y="4"/>
+                    </a:moveTo>
+                    <a:cubicBezTo>
+                      <a:pt x="10" y="4"/>
+                      <a:pt x="4" y="9"/>
+                      <a:pt x="4" y="16"/>
+                    </a:cubicBezTo>
+                    <a:cubicBezTo>
+                      <a:pt x="4" y="23"/>
+                      <a:pt x="10" y="29"/>
+                      <a:pt x="17" y="29"/>
+                    </a:cubicBezTo>
+                    <a:cubicBezTo>
+                      <a:pt x="23" y="29"/>
+                      <a:pt x="29" y="23"/>
+                      <a:pt x="29" y="16"/>
+                    </a:cubicBezTo>
+                    <a:cubicBezTo>
+                      <a:pt x="29" y="9"/>
+                      <a:pt x="23" y="4"/>
+                      <a:pt x="17" y="4"/>
+                    </a:cubicBezTo>
+                    <a:close/>
+                  </a:path>
+                </a:pathLst>
+              </a:custGeom>
+              <a:solidFill>
+                <a:schemeClr val="tx2">
+                  <a:alpha val="60000"/>
+                </a:schemeClr>
+              </a:solidFill>
+              <a:ln>
+                <a:noFill/>
+              </a:ln>
+              <a:effectLst>
+                <a:outerShdw blurRad="50800" dist="38100" dir="2700000" algn="tl" rotWithShape="0">
+                  <a:srgbClr val="000000">
+                    <a:alpha val="58000"/>
+                  </a:srgbClr>
+                </a:outerShdw>
+              </a:effectLst>
+            </p:spPr>
+            <p:txBody>
+              <a:bodyPr/>
+              <a:lstStyle/>
+              <a:p>
+                <a:endParaRPr lang="da-DK"/>
+              </a:p>
+            </p:txBody>
+          </p:sp>
+          <p:sp>
+            <p:nvSpPr>
+              <p:cNvPr id="32" name="Freeform 38">
+                <a:extLst>
+                  <a:ext uri="{FF2B5EF4-FFF2-40B4-BE49-F238E27FC236}">
+                    <a16:creationId xmlns:a16="http://schemas.microsoft.com/office/drawing/2014/main" id="{CD28FD54-698D-4BAD-92FC-289706745050}"/>
+                  </a:ext>
+                  <a:ext uri="{C183D7F6-B498-43B3-948B-1728B52AA6E4}">
+                    <adec:decorative xmlns:adec="http://schemas.microsoft.com/office/drawing/2017/decorative" val="1"/>
+                  </a:ext>
+                </a:extLst>
+              </p:cNvPr>
+              <p:cNvSpPr>
+                <a:spLocks noEditPoints="1"/>
+              </p:cNvSpPr>
+              <p:nvPr>
+                <p:extLst>
+                  <p:ext uri="{386F3935-93C4-4BCD-93E2-E3B085C9AB24}">
+                    <p16:designElem xmlns:p16="http://schemas.microsoft.com/office/powerpoint/2015/main" val="1"/>
+                  </p:ext>
+                </p:extLst>
+              </p:nvPr>
+            </p:nvSpPr>
+            <p:spPr bwMode="auto">
+              <a:xfrm rot="16200000" flipH="1">
+                <a:off x="605895" y="3247760"/>
+                <a:ext cx="188913" cy="188913"/>
+              </a:xfrm>
+              <a:custGeom>
+                <a:avLst/>
+                <a:gdLst/>
+                <a:ahLst/>
+                <a:cxnLst/>
+                <a:rect l="0" t="0" r="r" b="b"/>
+                <a:pathLst>
+                  <a:path w="40" h="40">
+                    <a:moveTo>
+                      <a:pt x="20" y="40"/>
+                    </a:moveTo>
+                    <a:cubicBezTo>
+                      <a:pt x="9" y="40"/>
+                      <a:pt x="0" y="31"/>
+                      <a:pt x="0" y="20"/>
+                    </a:cubicBezTo>
+                    <a:cubicBezTo>
+                      <a:pt x="0" y="9"/>
+                      <a:pt x="9" y="0"/>
+                      <a:pt x="20" y="0"/>
+                    </a:cubicBezTo>
+                    <a:cubicBezTo>
+                      <a:pt x="31" y="0"/>
+                      <a:pt x="40" y="9"/>
+                      <a:pt x="40" y="20"/>
+                    </a:cubicBezTo>
+                    <a:cubicBezTo>
+                      <a:pt x="40" y="31"/>
+                      <a:pt x="31" y="40"/>
+                      <a:pt x="20" y="40"/>
+                    </a:cubicBezTo>
+                    <a:close/>
+                    <a:moveTo>
+                      <a:pt x="20" y="4"/>
+                    </a:moveTo>
+                    <a:cubicBezTo>
+                      <a:pt x="11" y="4"/>
+                      <a:pt x="4" y="11"/>
+                      <a:pt x="4" y="20"/>
+                    </a:cubicBezTo>
+                    <a:cubicBezTo>
+                      <a:pt x="4" y="29"/>
+                      <a:pt x="11" y="36"/>
+                      <a:pt x="20" y="36"/>
+                    </a:cubicBezTo>
+                    <a:cubicBezTo>
+                      <a:pt x="29" y="36"/>
+                      <a:pt x="36" y="29"/>
+                      <a:pt x="36" y="20"/>
+                    </a:cubicBezTo>
+                    <a:cubicBezTo>
+                      <a:pt x="36" y="11"/>
+                      <a:pt x="29" y="4"/>
+                      <a:pt x="20" y="4"/>
+                    </a:cubicBezTo>
+                    <a:close/>
+                  </a:path>
+                </a:pathLst>
+              </a:custGeom>
+              <a:solidFill>
+                <a:schemeClr val="tx2">
+                  <a:alpha val="60000"/>
+                </a:schemeClr>
+              </a:solidFill>
+              <a:ln>
+                <a:noFill/>
+              </a:ln>
+              <a:effectLst>
+                <a:outerShdw blurRad="50800" dist="38100" dir="2700000" algn="tl" rotWithShape="0">
+                  <a:srgbClr val="000000">
+                    <a:alpha val="58000"/>
+                  </a:srgbClr>
+                </a:outerShdw>
+              </a:effectLst>
+            </p:spPr>
+            <p:txBody>
+              <a:bodyPr/>
+              <a:lstStyle/>
+              <a:p>
+                <a:endParaRPr lang="da-DK"/>
+              </a:p>
+            </p:txBody>
+          </p:sp>
+          <p:sp>
+            <p:nvSpPr>
+              <p:cNvPr id="33" name="Freeform 39">
+                <a:extLst>
+                  <a:ext uri="{FF2B5EF4-FFF2-40B4-BE49-F238E27FC236}">
+                    <a16:creationId xmlns:a16="http://schemas.microsoft.com/office/drawing/2014/main" id="{47EFA16F-61E8-404C-840D-A8AE44F51F77}"/>
+                  </a:ext>
+                  <a:ext uri="{C183D7F6-B498-43B3-948B-1728B52AA6E4}">
+                    <adec:decorative xmlns:adec="http://schemas.microsoft.com/office/drawing/2017/decorative" val="1"/>
+                  </a:ext>
+                </a:extLst>
+              </p:cNvPr>
+              <p:cNvSpPr/>
+              <p:nvPr>
+                <p:extLst>
+                  <p:ext uri="{386F3935-93C4-4BCD-93E2-E3B085C9AB24}">
+                    <p16:designElem xmlns:p16="http://schemas.microsoft.com/office/powerpoint/2015/main" val="1"/>
+                  </p:ext>
+                </p:extLst>
+              </p:nvPr>
+            </p:nvSpPr>
+            <p:spPr bwMode="auto">
+              <a:xfrm rot="16200000" flipH="1">
+                <a:off x="1532202" y="2305578"/>
+                <a:ext cx="307975" cy="1801813"/>
+              </a:xfrm>
+              <a:custGeom>
+                <a:avLst/>
+                <a:gdLst/>
+                <a:ahLst/>
+                <a:cxnLst/>
+                <a:rect l="0" t="0" r="r" b="b"/>
+                <a:pathLst>
+                  <a:path w="194" h="1135">
+                    <a:moveTo>
+                      <a:pt x="18" y="1135"/>
+                    </a:moveTo>
+                    <a:lnTo>
+                      <a:pt x="0" y="1135"/>
+                    </a:lnTo>
+                    <a:lnTo>
+                      <a:pt x="0" y="354"/>
+                    </a:lnTo>
+                    <a:lnTo>
+                      <a:pt x="176" y="177"/>
+                    </a:lnTo>
+                    <a:lnTo>
+                      <a:pt x="176" y="0"/>
+                    </a:lnTo>
+                    <a:lnTo>
+                      <a:pt x="194" y="0"/>
+                    </a:lnTo>
+                    <a:lnTo>
+                      <a:pt x="194" y="183"/>
+                    </a:lnTo>
+                    <a:lnTo>
+                      <a:pt x="18" y="360"/>
+                    </a:lnTo>
+                    <a:lnTo>
+                      <a:pt x="18" y="1135"/>
+                    </a:lnTo>
+                    <a:close/>
+                  </a:path>
+                </a:pathLst>
+              </a:custGeom>
+              <a:solidFill>
+                <a:schemeClr val="tx2">
+                  <a:alpha val="60000"/>
+                </a:schemeClr>
+              </a:solidFill>
+              <a:ln>
+                <a:noFill/>
+              </a:ln>
+              <a:effectLst>
+                <a:outerShdw blurRad="50800" dist="38100" dir="2700000" algn="tl" rotWithShape="0">
+                  <a:srgbClr val="000000">
+                    <a:alpha val="58000"/>
+                  </a:srgbClr>
+                </a:outerShdw>
+              </a:effectLst>
+            </p:spPr>
+            <p:txBody>
+              <a:bodyPr/>
+              <a:lstStyle/>
+              <a:p>
+                <a:endParaRPr lang="da-DK"/>
+              </a:p>
+            </p:txBody>
+          </p:sp>
+          <p:sp>
+            <p:nvSpPr>
+              <p:cNvPr id="34" name="Freeform 40">
+                <a:extLst>
+                  <a:ext uri="{FF2B5EF4-FFF2-40B4-BE49-F238E27FC236}">
+                    <a16:creationId xmlns:a16="http://schemas.microsoft.com/office/drawing/2014/main" id="{09E4A29B-6AEB-4F87-9189-F506B278A712}"/>
+                  </a:ext>
+                  <a:ext uri="{C183D7F6-B498-43B3-948B-1728B52AA6E4}">
+                    <adec:decorative xmlns:adec="http://schemas.microsoft.com/office/drawing/2017/decorative" val="1"/>
+                  </a:ext>
+                </a:extLst>
+              </p:cNvPr>
+              <p:cNvSpPr>
+                <a:spLocks noEditPoints="1"/>
+              </p:cNvSpPr>
+              <p:nvPr>
+                <p:extLst>
+                  <p:ext uri="{386F3935-93C4-4BCD-93E2-E3B085C9AB24}">
+                    <p16:designElem xmlns:p16="http://schemas.microsoft.com/office/powerpoint/2015/main" val="1"/>
+                  </p:ext>
+                </p:extLst>
+              </p:nvPr>
+            </p:nvSpPr>
+            <p:spPr bwMode="auto">
+              <a:xfrm rot="16200000" flipH="1">
+                <a:off x="2154501" y="3461278"/>
+                <a:ext cx="190500" cy="188913"/>
+              </a:xfrm>
+              <a:custGeom>
+                <a:avLst/>
+                <a:gdLst/>
+                <a:ahLst/>
+                <a:cxnLst/>
+                <a:rect l="0" t="0" r="r" b="b"/>
+                <a:pathLst>
+                  <a:path w="40" h="40">
+                    <a:moveTo>
+                      <a:pt x="20" y="40"/>
+                    </a:moveTo>
+                    <a:cubicBezTo>
+                      <a:pt x="9" y="40"/>
+                      <a:pt x="0" y="31"/>
+                      <a:pt x="0" y="20"/>
+                    </a:cubicBezTo>
+                    <a:cubicBezTo>
+                      <a:pt x="0" y="9"/>
+                      <a:pt x="9" y="0"/>
+                      <a:pt x="20" y="0"/>
+                    </a:cubicBezTo>
+                    <a:cubicBezTo>
+                      <a:pt x="31" y="0"/>
+                      <a:pt x="40" y="9"/>
+                      <a:pt x="40" y="20"/>
+                    </a:cubicBezTo>
+                    <a:cubicBezTo>
+                      <a:pt x="40" y="31"/>
+                      <a:pt x="31" y="40"/>
+                      <a:pt x="20" y="40"/>
+                    </a:cubicBezTo>
+                    <a:close/>
+                    <a:moveTo>
+                      <a:pt x="20" y="4"/>
+                    </a:moveTo>
+                    <a:cubicBezTo>
+                      <a:pt x="12" y="4"/>
+                      <a:pt x="4" y="11"/>
+                      <a:pt x="4" y="20"/>
+                    </a:cubicBezTo>
+                    <a:cubicBezTo>
+                      <a:pt x="4" y="29"/>
+                      <a:pt x="12" y="36"/>
+                      <a:pt x="20" y="36"/>
+                    </a:cubicBezTo>
+                    <a:cubicBezTo>
+                      <a:pt x="29" y="36"/>
+                      <a:pt x="36" y="29"/>
+                      <a:pt x="36" y="20"/>
+                    </a:cubicBezTo>
+                    <a:cubicBezTo>
+                      <a:pt x="36" y="11"/>
+                      <a:pt x="29" y="4"/>
+                      <a:pt x="20" y="4"/>
+                    </a:cubicBezTo>
+                    <a:close/>
+                  </a:path>
+                </a:pathLst>
+              </a:custGeom>
+              <a:solidFill>
+                <a:schemeClr val="tx2">
+                  <a:alpha val="60000"/>
+                </a:schemeClr>
+              </a:solidFill>
+              <a:ln>
+                <a:noFill/>
+              </a:ln>
+              <a:effectLst>
+                <a:outerShdw blurRad="50800" dist="38100" dir="2700000" algn="tl" rotWithShape="0">
+                  <a:srgbClr val="000000">
+                    <a:alpha val="58000"/>
+                  </a:srgbClr>
+                </a:outerShdw>
+              </a:effectLst>
+            </p:spPr>
+            <p:txBody>
+              <a:bodyPr/>
+              <a:lstStyle/>
+              <a:p>
+                <a:endParaRPr lang="da-DK"/>
+              </a:p>
+            </p:txBody>
+          </p:sp>
+          <p:sp>
+            <p:nvSpPr>
+              <p:cNvPr id="35" name="Rectangle 41">
+                <a:extLst>
+                  <a:ext uri="{FF2B5EF4-FFF2-40B4-BE49-F238E27FC236}">
+                    <a16:creationId xmlns:a16="http://schemas.microsoft.com/office/drawing/2014/main" id="{338E5AEE-F711-46EB-9890-E720C8B85233}"/>
+                  </a:ext>
+                  <a:ext uri="{C183D7F6-B498-43B3-948B-1728B52AA6E4}">
+                    <adec:decorative xmlns:adec="http://schemas.microsoft.com/office/drawing/2017/decorative" val="1"/>
+                  </a:ext>
+                </a:extLst>
+              </p:cNvPr>
+              <p:cNvSpPr>
+                <a:spLocks noChangeArrowheads="1"/>
+              </p:cNvSpPr>
+              <p:nvPr>
+                <p:extLst>
+                  <p:ext uri="{386F3935-93C4-4BCD-93E2-E3B085C9AB24}">
+                    <p16:designElem xmlns:p16="http://schemas.microsoft.com/office/powerpoint/2015/main" val="1"/>
+                  </p:ext>
+                </p:extLst>
+              </p:nvPr>
+            </p:nvSpPr>
+            <p:spPr bwMode="auto">
+              <a:xfrm rot="16200000" flipH="1">
+                <a:off x="2448983" y="3436672"/>
+                <a:ext cx="23813" cy="252413"/>
+              </a:xfrm>
+              <a:prstGeom prst="rect">
+                <a:avLst/>
+              </a:prstGeom>
+              <a:solidFill>
+                <a:schemeClr val="tx2">
+                  <a:alpha val="60000"/>
+                </a:schemeClr>
+              </a:solidFill>
+              <a:ln>
+                <a:noFill/>
+              </a:ln>
+              <a:effectLst>
+                <a:outerShdw blurRad="50800" dist="38100" dir="2700000" algn="tl" rotWithShape="0">
+                  <a:srgbClr val="000000">
+                    <a:alpha val="58000"/>
+                  </a:srgbClr>
+                </a:outerShdw>
+              </a:effectLst>
+            </p:spPr>
+            <p:txBody>
+              <a:bodyPr/>
+              <a:lstStyle/>
+              <a:p>
+                <a:endParaRPr lang="da-DK"/>
+              </a:p>
+            </p:txBody>
+          </p:sp>
+        </p:grpSp>
+      </p:grpSp>
       <p:sp>
         <p:nvSpPr>
           <p:cNvPr id="2" name="Titel 1">
@@ -13148,22 +15443,23 @@
         </p:nvSpPr>
         <p:spPr>
           <a:xfrm>
-            <a:off x="320039" y="175147"/>
-            <a:ext cx="7978385" cy="916234"/>
+            <a:off x="2667000" y="2328334"/>
+            <a:ext cx="6858000" cy="1367896"/>
           </a:xfrm>
         </p:spPr>
         <p:txBody>
-          <a:bodyPr anchor="ctr">
+          <a:bodyPr>
             <a:normAutofit/>
           </a:bodyPr>
           <a:lstStyle/>
           <a:p>
+            <a:pPr algn="ctr"/>
             <a:r>
-              <a:rPr lang="da-DK" sz="3600" dirty="0" err="1"/>
+              <a:rPr lang="da-DK" err="1"/>
               <a:t>Iot</a:t>
             </a:r>
             <a:r>
-              <a:rPr lang="da-DK" sz="3600" dirty="0"/>
+              <a:rPr lang="da-DK"/>
               <a:t> Klima Sensor</a:t>
             </a:r>
           </a:p>
@@ -13187,27 +15483,27 @@
         </p:nvSpPr>
         <p:spPr>
           <a:xfrm>
-            <a:off x="8298426" y="196597"/>
-            <a:ext cx="3634494" cy="868139"/>
+            <a:off x="2667001" y="3602038"/>
+            <a:ext cx="6857999" cy="953029"/>
           </a:xfrm>
         </p:spPr>
         <p:txBody>
-          <a:bodyPr anchor="ctr">
+          <a:bodyPr>
             <a:normAutofit/>
           </a:bodyPr>
           <a:lstStyle/>
           <a:p>
-            <a:pPr algn="r"/>
+            <a:pPr algn="ctr"/>
             <a:r>
-              <a:rPr lang="da-DK" sz="1800" dirty="0"/>
+              <a:rPr lang="da-DK"/>
               <a:t>ZBC Ringsted – </a:t>
             </a:r>
             <a:r>
-              <a:rPr lang="da-DK" sz="1800" dirty="0" err="1"/>
+              <a:rPr lang="da-DK" err="1"/>
               <a:t>Datatekniker</a:t>
             </a:r>
             <a:r>
-              <a:rPr lang="da-DK" sz="1800" dirty="0"/>
+              <a:rPr lang="da-DK"/>
               <a:t> - Martin Sandgaard</a:t>
             </a:r>
           </a:p>
@@ -13221,7 +15517,7 @@
     </p:extLst>
   </p:cSld>
   <p:clrMapOvr>
-    <a:overrideClrMapping bg1="dk1" tx1="lt1" bg2="dk2" tx2="lt2" accent1="accent1" accent2="accent2" accent3="accent3" accent4="accent4" accent5="accent5" accent6="accent6" hlink="hlink" folHlink="folHlink"/>
+    <a:masterClrMapping/>
   </p:clrMapOvr>
 </p:sld>
 </file>
